--- a/Grocer Guide.pptx
+++ b/Grocer Guide.pptx
@@ -33059,13 +33059,8 @@
             </a:pPr>
             <a:r>
               <a:rPr lang="en-US" dirty="0"/>
-              <a:t>Daniel </a:t>
+              <a:t>Daniel Levitin</a:t>
             </a:r>
-            <a:r>
-              <a:rPr lang="en-US" dirty="0" err="1"/>
-              <a:t>levetin</a:t>
-            </a:r>
-            <a:endParaRPr lang="en-US" dirty="0"/>
           </a:p>
         </p:txBody>
       </p:sp>
@@ -34467,24 +34462,6 @@
 </file>
 
 <file path=customXml/item1.xml><?xml version="1.0" encoding="utf-8"?>
-<p:properties xmlns:p="http://schemas.microsoft.com/office/2006/metadata/properties" xmlns:xsi="http://www.w3.org/2001/XMLSchema-instance" xmlns:pc="http://schemas.microsoft.com/office/infopath/2007/PartnerControls">
-  <documentManagement>
-    <Status xmlns="71af3243-3dd4-4a8d-8c0d-dd76da1f02a5">Not started</Status>
-    <MediaServiceKeyPoints xmlns="71af3243-3dd4-4a8d-8c0d-dd76da1f02a5" xsi:nil="true"/>
-  </documentManagement>
-</p:properties>
-</file>
-
-<file path=customXml/item2.xml><?xml version="1.0" encoding="utf-8"?>
-<?mso-contentType ?>
-<FormTemplates xmlns="http://schemas.microsoft.com/sharepoint/v3/contenttype/forms">
-  <Display>DocumentLibraryForm</Display>
-  <Edit>DocumentLibraryForm</Edit>
-  <New>DocumentLibraryForm</New>
-</FormTemplates>
-</file>
-
-<file path=customXml/item3.xml><?xml version="1.0" encoding="utf-8"?>
 <ct:contentTypeSchema xmlns:ct="http://schemas.microsoft.com/office/2006/metadata/contentType" xmlns:ma="http://schemas.microsoft.com/office/2006/metadata/properties/metaAttributes" ct:_="" ma:_="" ma:contentTypeName="Document" ma:contentTypeID="0x01010079F111ED35F8CC479449609E8A0923A6" ma:contentTypeVersion="12" ma:contentTypeDescription="Create a new document." ma:contentTypeScope="" ma:versionID="426e97fa315356fffbdcd9876fe988c2">
   <xsd:schema xmlns:xsd="http://www.w3.org/2001/XMLSchema" xmlns:xs="http://www.w3.org/2001/XMLSchema" xmlns:p="http://schemas.microsoft.com/office/2006/metadata/properties" xmlns:ns2="71af3243-3dd4-4a8d-8c0d-dd76da1f02a5" xmlns:ns3="16c05727-aa75-4e4a-9b5f-8a80a1165891" targetNamespace="http://schemas.microsoft.com/office/2006/metadata/properties" ma:root="true" ma:fieldsID="14b8f0def80e6d70ce3def20c90759ae" ns2:_="" ns3:_="">
     <xsd:import namespace="71af3243-3dd4-4a8d-8c0d-dd76da1f02a5"/>
@@ -34705,25 +34682,25 @@
 </ct:contentTypeSchema>
 </file>
 
-<file path=customXml/itemProps1.xml><?xml version="1.0" encoding="utf-8"?>
-<ds:datastoreItem xmlns:ds="http://schemas.openxmlformats.org/officeDocument/2006/customXml" ds:itemID="{9DFCC198-DBFA-46B2-A241-8E3888E63670}">
-  <ds:schemaRefs>
-    <ds:schemaRef ds:uri="http://schemas.microsoft.com/office/2006/metadata/properties"/>
-    <ds:schemaRef ds:uri="http://schemas.microsoft.com/office/infopath/2007/PartnerControls"/>
-    <ds:schemaRef ds:uri="71af3243-3dd4-4a8d-8c0d-dd76da1f02a5"/>
-  </ds:schemaRefs>
-</ds:datastoreItem>
+<file path=customXml/item2.xml><?xml version="1.0" encoding="utf-8"?>
+<?mso-contentType ?>
+<FormTemplates xmlns="http://schemas.microsoft.com/sharepoint/v3/contenttype/forms">
+  <Display>DocumentLibraryForm</Display>
+  <Edit>DocumentLibraryForm</Edit>
+  <New>DocumentLibraryForm</New>
+</FormTemplates>
 </file>
 
-<file path=customXml/itemProps2.xml><?xml version="1.0" encoding="utf-8"?>
-<ds:datastoreItem xmlns:ds="http://schemas.openxmlformats.org/officeDocument/2006/customXml" ds:itemID="{C0DCE9DA-F7FD-45FA-83B7-D9813A44258A}">
-  <ds:schemaRefs>
-    <ds:schemaRef ds:uri="http://schemas.microsoft.com/sharepoint/v3/contenttype/forms"/>
-  </ds:schemaRefs>
-</ds:datastoreItem>
+<file path=customXml/item3.xml><?xml version="1.0" encoding="utf-8"?>
+<p:properties xmlns:p="http://schemas.microsoft.com/office/2006/metadata/properties" xmlns:xsi="http://www.w3.org/2001/XMLSchema-instance" xmlns:pc="http://schemas.microsoft.com/office/infopath/2007/PartnerControls">
+  <documentManagement>
+    <Status xmlns="71af3243-3dd4-4a8d-8c0d-dd76da1f02a5">Not started</Status>
+    <MediaServiceKeyPoints xmlns="71af3243-3dd4-4a8d-8c0d-dd76da1f02a5" xsi:nil="true"/>
+  </documentManagement>
+</p:properties>
 </file>
 
-<file path=customXml/itemProps3.xml><?xml version="1.0" encoding="utf-8"?>
+<file path=customXml/itemProps1.xml><?xml version="1.0" encoding="utf-8"?>
 <ds:datastoreItem xmlns:ds="http://schemas.openxmlformats.org/officeDocument/2006/customXml" ds:itemID="{897C4F4F-E645-4C6F-B0C3-39923BA08249}">
   <ds:schemaRefs>
     <ds:schemaRef ds:uri="http://schemas.microsoft.com/office/2006/metadata/contentType"/>
@@ -34740,4 +34717,22 @@
     <ds:schemaRef ds:uri="http://schemas.microsoft.com/internal/obd"/>
   </ds:schemaRefs>
 </ds:datastoreItem>
+</file>
+
+<file path=customXml/itemProps2.xml><?xml version="1.0" encoding="utf-8"?>
+<ds:datastoreItem xmlns:ds="http://schemas.openxmlformats.org/officeDocument/2006/customXml" ds:itemID="{C0DCE9DA-F7FD-45FA-83B7-D9813A44258A}">
+  <ds:schemaRefs>
+    <ds:schemaRef ds:uri="http://schemas.microsoft.com/sharepoint/v3/contenttype/forms"/>
+  </ds:schemaRefs>
+</ds:datastoreItem>
+</file>
+
+<file path=customXml/itemProps3.xml><?xml version="1.0" encoding="utf-8"?>
+<ds:datastoreItem xmlns:ds="http://schemas.openxmlformats.org/officeDocument/2006/customXml" ds:itemID="{9DFCC198-DBFA-46B2-A241-8E3888E63670}">
+  <ds:schemaRefs>
+    <ds:schemaRef ds:uri="http://schemas.microsoft.com/office/2006/metadata/properties"/>
+    <ds:schemaRef ds:uri="http://schemas.microsoft.com/office/infopath/2007/PartnerControls"/>
+    <ds:schemaRef ds:uri="71af3243-3dd4-4a8d-8c0d-dd76da1f02a5"/>
+  </ds:schemaRefs>
+</ds:datastoreItem>
 </file>
--- a/Grocer Guide.pptx
+++ b/Grocer Guide.pptx
@@ -33396,7 +33396,7 @@
           <a:p>
             <a:r>
               <a:rPr lang="en-US" sz="1800" dirty="0"/>
-              <a:t>At the start James was the sole contributor so he created a </a:t>
+              <a:t>At the start James created a </a:t>
             </a:r>
             <a:r>
               <a:rPr lang="en-US" dirty="0"/>
@@ -34462,6 +34462,24 @@
 </file>
 
 <file path=customXml/item1.xml><?xml version="1.0" encoding="utf-8"?>
+<p:properties xmlns:p="http://schemas.microsoft.com/office/2006/metadata/properties" xmlns:xsi="http://www.w3.org/2001/XMLSchema-instance" xmlns:pc="http://schemas.microsoft.com/office/infopath/2007/PartnerControls">
+  <documentManagement>
+    <Status xmlns="71af3243-3dd4-4a8d-8c0d-dd76da1f02a5">Not started</Status>
+    <MediaServiceKeyPoints xmlns="71af3243-3dd4-4a8d-8c0d-dd76da1f02a5" xsi:nil="true"/>
+  </documentManagement>
+</p:properties>
+</file>
+
+<file path=customXml/item2.xml><?xml version="1.0" encoding="utf-8"?>
+<?mso-contentType ?>
+<FormTemplates xmlns="http://schemas.microsoft.com/sharepoint/v3/contenttype/forms">
+  <Display>DocumentLibraryForm</Display>
+  <Edit>DocumentLibraryForm</Edit>
+  <New>DocumentLibraryForm</New>
+</FormTemplates>
+</file>
+
+<file path=customXml/item3.xml><?xml version="1.0" encoding="utf-8"?>
 <ct:contentTypeSchema xmlns:ct="http://schemas.microsoft.com/office/2006/metadata/contentType" xmlns:ma="http://schemas.microsoft.com/office/2006/metadata/properties/metaAttributes" ct:_="" ma:_="" ma:contentTypeName="Document" ma:contentTypeID="0x01010079F111ED35F8CC479449609E8A0923A6" ma:contentTypeVersion="12" ma:contentTypeDescription="Create a new document." ma:contentTypeScope="" ma:versionID="426e97fa315356fffbdcd9876fe988c2">
   <xsd:schema xmlns:xsd="http://www.w3.org/2001/XMLSchema" xmlns:xs="http://www.w3.org/2001/XMLSchema" xmlns:p="http://schemas.microsoft.com/office/2006/metadata/properties" xmlns:ns2="71af3243-3dd4-4a8d-8c0d-dd76da1f02a5" xmlns:ns3="16c05727-aa75-4e4a-9b5f-8a80a1165891" targetNamespace="http://schemas.microsoft.com/office/2006/metadata/properties" ma:root="true" ma:fieldsID="14b8f0def80e6d70ce3def20c90759ae" ns2:_="" ns3:_="">
     <xsd:import namespace="71af3243-3dd4-4a8d-8c0d-dd76da1f02a5"/>
@@ -34682,25 +34700,25 @@
 </ct:contentTypeSchema>
 </file>
 
-<file path=customXml/item2.xml><?xml version="1.0" encoding="utf-8"?>
-<?mso-contentType ?>
-<FormTemplates xmlns="http://schemas.microsoft.com/sharepoint/v3/contenttype/forms">
-  <Display>DocumentLibraryForm</Display>
-  <Edit>DocumentLibraryForm</Edit>
-  <New>DocumentLibraryForm</New>
-</FormTemplates>
+<file path=customXml/itemProps1.xml><?xml version="1.0" encoding="utf-8"?>
+<ds:datastoreItem xmlns:ds="http://schemas.openxmlformats.org/officeDocument/2006/customXml" ds:itemID="{9DFCC198-DBFA-46B2-A241-8E3888E63670}">
+  <ds:schemaRefs>
+    <ds:schemaRef ds:uri="http://schemas.microsoft.com/office/2006/metadata/properties"/>
+    <ds:schemaRef ds:uri="http://schemas.microsoft.com/office/infopath/2007/PartnerControls"/>
+    <ds:schemaRef ds:uri="71af3243-3dd4-4a8d-8c0d-dd76da1f02a5"/>
+  </ds:schemaRefs>
+</ds:datastoreItem>
 </file>
 
-<file path=customXml/item3.xml><?xml version="1.0" encoding="utf-8"?>
-<p:properties xmlns:p="http://schemas.microsoft.com/office/2006/metadata/properties" xmlns:xsi="http://www.w3.org/2001/XMLSchema-instance" xmlns:pc="http://schemas.microsoft.com/office/infopath/2007/PartnerControls">
-  <documentManagement>
-    <Status xmlns="71af3243-3dd4-4a8d-8c0d-dd76da1f02a5">Not started</Status>
-    <MediaServiceKeyPoints xmlns="71af3243-3dd4-4a8d-8c0d-dd76da1f02a5" xsi:nil="true"/>
-  </documentManagement>
-</p:properties>
+<file path=customXml/itemProps2.xml><?xml version="1.0" encoding="utf-8"?>
+<ds:datastoreItem xmlns:ds="http://schemas.openxmlformats.org/officeDocument/2006/customXml" ds:itemID="{C0DCE9DA-F7FD-45FA-83B7-D9813A44258A}">
+  <ds:schemaRefs>
+    <ds:schemaRef ds:uri="http://schemas.microsoft.com/sharepoint/v3/contenttype/forms"/>
+  </ds:schemaRefs>
+</ds:datastoreItem>
 </file>
 
-<file path=customXml/itemProps1.xml><?xml version="1.0" encoding="utf-8"?>
+<file path=customXml/itemProps3.xml><?xml version="1.0" encoding="utf-8"?>
 <ds:datastoreItem xmlns:ds="http://schemas.openxmlformats.org/officeDocument/2006/customXml" ds:itemID="{897C4F4F-E645-4C6F-B0C3-39923BA08249}">
   <ds:schemaRefs>
     <ds:schemaRef ds:uri="http://schemas.microsoft.com/office/2006/metadata/contentType"/>
@@ -34717,22 +34735,4 @@
     <ds:schemaRef ds:uri="http://schemas.microsoft.com/internal/obd"/>
   </ds:schemaRefs>
 </ds:datastoreItem>
-</file>
-
-<file path=customXml/itemProps2.xml><?xml version="1.0" encoding="utf-8"?>
-<ds:datastoreItem xmlns:ds="http://schemas.openxmlformats.org/officeDocument/2006/customXml" ds:itemID="{C0DCE9DA-F7FD-45FA-83B7-D9813A44258A}">
-  <ds:schemaRefs>
-    <ds:schemaRef ds:uri="http://schemas.microsoft.com/sharepoint/v3/contenttype/forms"/>
-  </ds:schemaRefs>
-</ds:datastoreItem>
-</file>
-
-<file path=customXml/itemProps3.xml><?xml version="1.0" encoding="utf-8"?>
-<ds:datastoreItem xmlns:ds="http://schemas.openxmlformats.org/officeDocument/2006/customXml" ds:itemID="{9DFCC198-DBFA-46B2-A241-8E3888E63670}">
-  <ds:schemaRefs>
-    <ds:schemaRef ds:uri="http://schemas.microsoft.com/office/2006/metadata/properties"/>
-    <ds:schemaRef ds:uri="http://schemas.microsoft.com/office/infopath/2007/PartnerControls"/>
-    <ds:schemaRef ds:uri="71af3243-3dd4-4a8d-8c0d-dd76da1f02a5"/>
-  </ds:schemaRefs>
-</ds:datastoreItem>
 </file>